--- a/Documentation/Final Presentation.pptx
+++ b/Documentation/Final Presentation.pptx
@@ -1381,7 +1381,7 @@
   <p:cSld>
     <p:spTree>
       <p:nvGrpSpPr>
-        <p:cNvPr id="141" name="Shape 141"/>
+        <p:cNvPr id="142" name="Shape 142"/>
         <p:cNvGrpSpPr/>
         <p:nvPr/>
       </p:nvGrpSpPr>
@@ -1395,7 +1395,7 @@
       </p:grpSpPr>
       <p:sp>
         <p:nvSpPr>
-          <p:cNvPr id="142" name="Google Shape;142;g5634e155e1_0_90:notes"/>
+          <p:cNvPr id="143" name="Google Shape;143;g5634e155e1_0_90:notes"/>
           <p:cNvSpPr/>
           <p:nvPr>
             <p:ph idx="2" type="sldImg"/>
@@ -1430,7 +1430,7 @@
       </p:sp>
       <p:sp>
         <p:nvSpPr>
-          <p:cNvPr id="143" name="Google Shape;143;g5634e155e1_0_90:notes"/>
+          <p:cNvPr id="144" name="Google Shape;144;g5634e155e1_0_90:notes"/>
           <p:cNvSpPr txBox="1"/>
           <p:nvPr>
             <p:ph idx="1" type="body"/>
@@ -1513,7 +1513,7 @@
   <p:cSld>
     <p:spTree>
       <p:nvGrpSpPr>
-        <p:cNvPr id="147" name="Shape 147"/>
+        <p:cNvPr id="148" name="Shape 148"/>
         <p:cNvGrpSpPr/>
         <p:nvPr/>
       </p:nvGrpSpPr>
@@ -1527,7 +1527,7 @@
       </p:grpSpPr>
       <p:sp>
         <p:nvSpPr>
-          <p:cNvPr id="148" name="Google Shape;148;g5634e155e1_0_120:notes"/>
+          <p:cNvPr id="149" name="Google Shape;149;g5634e155e1_0_120:notes"/>
           <p:cNvSpPr/>
           <p:nvPr>
             <p:ph idx="2" type="sldImg"/>
@@ -1562,7 +1562,7 @@
       </p:sp>
       <p:sp>
         <p:nvSpPr>
-          <p:cNvPr id="149" name="Google Shape;149;g5634e155e1_0_120:notes"/>
+          <p:cNvPr id="150" name="Google Shape;150;g5634e155e1_0_120:notes"/>
           <p:cNvSpPr txBox="1"/>
           <p:nvPr>
             <p:ph idx="1" type="body"/>
@@ -1613,7 +1613,7 @@
   <p:cSld>
     <p:spTree>
       <p:nvGrpSpPr>
-        <p:cNvPr id="153" name="Shape 153"/>
+        <p:cNvPr id="155" name="Shape 155"/>
         <p:cNvGrpSpPr/>
         <p:nvPr/>
       </p:nvGrpSpPr>
@@ -1627,7 +1627,7 @@
       </p:grpSpPr>
       <p:sp>
         <p:nvSpPr>
-          <p:cNvPr id="154" name="Google Shape;154;g5804c19985_0_28:notes"/>
+          <p:cNvPr id="156" name="Google Shape;156;g5804c19985_0_28:notes"/>
           <p:cNvSpPr/>
           <p:nvPr>
             <p:ph idx="2" type="sldImg"/>
@@ -1662,7 +1662,7 @@
       </p:sp>
       <p:sp>
         <p:nvSpPr>
-          <p:cNvPr id="155" name="Google Shape;155;g5804c19985_0_28:notes"/>
+          <p:cNvPr id="157" name="Google Shape;157;g5804c19985_0_28:notes"/>
           <p:cNvSpPr txBox="1"/>
           <p:nvPr>
             <p:ph idx="1" type="body"/>
@@ -1713,7 +1713,7 @@
   <p:cSld>
     <p:spTree>
       <p:nvGrpSpPr>
-        <p:cNvPr id="159" name="Shape 159"/>
+        <p:cNvPr id="161" name="Shape 161"/>
         <p:cNvGrpSpPr/>
         <p:nvPr/>
       </p:nvGrpSpPr>
@@ -1727,7 +1727,7 @@
       </p:grpSpPr>
       <p:sp>
         <p:nvSpPr>
-          <p:cNvPr id="160" name="Google Shape;160;g5634e155e1_0_158:notes"/>
+          <p:cNvPr id="162" name="Google Shape;162;g5634e155e1_0_158:notes"/>
           <p:cNvSpPr/>
           <p:nvPr>
             <p:ph idx="2" type="sldImg"/>
@@ -1762,7 +1762,7 @@
       </p:sp>
       <p:sp>
         <p:nvSpPr>
-          <p:cNvPr id="161" name="Google Shape;161;g5634e155e1_0_158:notes"/>
+          <p:cNvPr id="163" name="Google Shape;163;g5634e155e1_0_158:notes"/>
           <p:cNvSpPr txBox="1"/>
           <p:nvPr>
             <p:ph idx="1" type="body"/>
@@ -9405,37 +9405,6 @@
             </a:r>
             <a:endParaRPr/>
           </a:p>
-          <a:p>
-            <a:pPr indent="0" lvl="0" marL="0" rtl="0" algn="l">
-              <a:spcBef>
-                <a:spcPts val="1600"/>
-              </a:spcBef>
-              <a:spcAft>
-                <a:spcPts val="0"/>
-              </a:spcAft>
-              <a:buNone/>
-            </a:pPr>
-            <a:r>
-              <a:t/>
-            </a:r>
-            <a:endParaRPr/>
-          </a:p>
-          <a:p>
-            <a:pPr indent="0" lvl="0" marL="0" rtl="0" algn="l">
-              <a:spcBef>
-                <a:spcPts val="1600"/>
-              </a:spcBef>
-              <a:spcAft>
-                <a:spcPts val="1600"/>
-              </a:spcAft>
-              <a:buNone/>
-            </a:pPr>
-            <a:r>
-              <a:rPr lang="en"/>
-              <a:t>//TODO image of decorated gui frame</a:t>
-            </a:r>
-            <a:endParaRPr/>
-          </a:p>
         </p:txBody>
       </p:sp>
       <p:pic>
@@ -9454,7 +9423,7 @@
         </p:blipFill>
         <p:spPr>
           <a:xfrm>
-            <a:off x="4706300" y="3582800"/>
+            <a:off x="5194325" y="2977675"/>
             <a:ext cx="1193482" cy="1205575"/>
           </a:xfrm>
           <a:prstGeom prst="rect">
@@ -9481,8 +9450,36 @@
         </p:blipFill>
         <p:spPr>
           <a:xfrm>
-            <a:off x="6812375" y="3582788"/>
+            <a:off x="7212350" y="2977663"/>
             <a:ext cx="1226652" cy="1205597"/>
+          </a:xfrm>
+          <a:prstGeom prst="rect">
+            <a:avLst/>
+          </a:prstGeom>
+          <a:noFill/>
+          <a:ln>
+            <a:noFill/>
+          </a:ln>
+        </p:spPr>
+      </p:pic>
+      <p:pic>
+        <p:nvPicPr>
+          <p:cNvPr id="141" name="Google Shape;141;p25"/>
+          <p:cNvPicPr preferRelativeResize="0"/>
+          <p:nvPr/>
+        </p:nvPicPr>
+        <p:blipFill>
+          <a:blip r:embed="rId5">
+            <a:alphaModFix/>
+          </a:blip>
+          <a:stretch>
+            <a:fillRect/>
+          </a:stretch>
+        </p:blipFill>
+        <p:spPr>
+          <a:xfrm>
+            <a:off x="474500" y="2597275"/>
+            <a:ext cx="3895274" cy="2191100"/>
           </a:xfrm>
           <a:prstGeom prst="rect">
             <a:avLst/>
@@ -9506,7 +9503,7 @@
   <p:cSld>
     <p:spTree>
       <p:nvGrpSpPr>
-        <p:cNvPr id="144" name="Shape 144"/>
+        <p:cNvPr id="145" name="Shape 145"/>
         <p:cNvGrpSpPr/>
         <p:nvPr/>
       </p:nvGrpSpPr>
@@ -9520,7 +9517,7 @@
       </p:grpSpPr>
       <p:sp>
         <p:nvSpPr>
-          <p:cNvPr id="145" name="Google Shape;145;p26"/>
+          <p:cNvPr id="146" name="Google Shape;146;p26"/>
           <p:cNvSpPr txBox="1"/>
           <p:nvPr>
             <p:ph type="title"/>
@@ -9560,7 +9557,7 @@
       </p:sp>
       <p:sp>
         <p:nvSpPr>
-          <p:cNvPr id="146" name="Google Shape;146;p26"/>
+          <p:cNvPr id="147" name="Google Shape;147;p26"/>
           <p:cNvSpPr txBox="1"/>
           <p:nvPr>
             <p:ph idx="1" type="body"/>
@@ -9629,7 +9626,7 @@
   <p:cSld>
     <p:spTree>
       <p:nvGrpSpPr>
-        <p:cNvPr id="150" name="Shape 150"/>
+        <p:cNvPr id="151" name="Shape 151"/>
         <p:cNvGrpSpPr/>
         <p:nvPr/>
       </p:nvGrpSpPr>
@@ -9643,7 +9640,7 @@
       </p:grpSpPr>
       <p:sp>
         <p:nvSpPr>
-          <p:cNvPr id="151" name="Google Shape;151;p27"/>
+          <p:cNvPr id="152" name="Google Shape;152;p27"/>
           <p:cNvSpPr txBox="1"/>
           <p:nvPr>
             <p:ph type="title"/>
@@ -9683,7 +9680,7 @@
       </p:sp>
       <p:sp>
         <p:nvSpPr>
-          <p:cNvPr id="152" name="Google Shape;152;p27"/>
+          <p:cNvPr id="153" name="Google Shape;153;p27"/>
           <p:cNvSpPr txBox="1"/>
           <p:nvPr>
             <p:ph idx="1" type="body"/>
@@ -9739,6 +9736,34 @@
           </a:p>
         </p:txBody>
       </p:sp>
+      <p:pic>
+        <p:nvPicPr>
+          <p:cNvPr id="154" name="Google Shape;154;p27"/>
+          <p:cNvPicPr preferRelativeResize="0"/>
+          <p:nvPr/>
+        </p:nvPicPr>
+        <p:blipFill>
+          <a:blip r:embed="rId3">
+            <a:alphaModFix/>
+          </a:blip>
+          <a:stretch>
+            <a:fillRect/>
+          </a:stretch>
+        </p:blipFill>
+        <p:spPr>
+          <a:xfrm>
+            <a:off x="2556450" y="2226450"/>
+            <a:ext cx="3792827" cy="2844601"/>
+          </a:xfrm>
+          <a:prstGeom prst="rect">
+            <a:avLst/>
+          </a:prstGeom>
+          <a:noFill/>
+          <a:ln>
+            <a:noFill/>
+          </a:ln>
+        </p:spPr>
+      </p:pic>
     </p:spTree>
   </p:cSld>
   <p:clrMapOvr>
@@ -9752,7 +9777,7 @@
   <p:cSld>
     <p:spTree>
       <p:nvGrpSpPr>
-        <p:cNvPr id="156" name="Shape 156"/>
+        <p:cNvPr id="158" name="Shape 158"/>
         <p:cNvGrpSpPr/>
         <p:nvPr/>
       </p:nvGrpSpPr>
@@ -9766,7 +9791,7 @@
       </p:grpSpPr>
       <p:sp>
         <p:nvSpPr>
-          <p:cNvPr id="157" name="Google Shape;157;p28"/>
+          <p:cNvPr id="159" name="Google Shape;159;p28"/>
           <p:cNvSpPr txBox="1"/>
           <p:nvPr>
             <p:ph type="title"/>
@@ -9806,7 +9831,7 @@
       </p:sp>
       <p:sp>
         <p:nvSpPr>
-          <p:cNvPr id="158" name="Google Shape;158;p28"/>
+          <p:cNvPr id="160" name="Google Shape;160;p28"/>
           <p:cNvSpPr txBox="1"/>
           <p:nvPr>
             <p:ph idx="1" type="body"/>
@@ -9875,7 +9900,7 @@
   <p:cSld>
     <p:spTree>
       <p:nvGrpSpPr>
-        <p:cNvPr id="162" name="Shape 162"/>
+        <p:cNvPr id="164" name="Shape 164"/>
         <p:cNvGrpSpPr/>
         <p:nvPr/>
       </p:nvGrpSpPr>
@@ -9889,7 +9914,7 @@
       </p:grpSpPr>
       <p:sp>
         <p:nvSpPr>
-          <p:cNvPr id="163" name="Google Shape;163;p29"/>
+          <p:cNvPr id="165" name="Google Shape;165;p29"/>
           <p:cNvSpPr txBox="1"/>
           <p:nvPr>
             <p:ph type="title"/>
@@ -9929,7 +9954,7 @@
       </p:sp>
       <p:sp>
         <p:nvSpPr>
-          <p:cNvPr id="164" name="Google Shape;164;p29"/>
+          <p:cNvPr id="166" name="Google Shape;166;p29"/>
           <p:cNvSpPr txBox="1"/>
           <p:nvPr>
             <p:ph idx="1" type="body"/>
@@ -10745,8 +10770,7 @@
               <a:buNone/>
             </a:pPr>
             <a:r>
-              <a:rPr lang="en"/>
-              <a:t>// TODO OLD TAG IMAGE</a:t>
+              <a:t/>
             </a:r>
             <a:endParaRPr/>
           </a:p>
@@ -10855,7 +10879,7 @@
         </p:nvSpPr>
         <p:spPr>
           <a:xfrm>
-            <a:off x="311700" y="1152475"/>
+            <a:off x="311700" y="1173525"/>
             <a:ext cx="8520600" cy="3416400"/>
           </a:xfrm>
           <a:prstGeom prst="rect">
@@ -10932,26 +10956,6 @@
             <a:r>
               <a:rPr lang="en"/>
               <a:t>Upgraded to python 3</a:t>
-            </a:r>
-            <a:endParaRPr/>
-          </a:p>
-          <a:p>
-            <a:pPr indent="0" lvl="0" marL="0" rtl="0" algn="l">
-              <a:spcBef>
-                <a:spcPts val="1600"/>
-              </a:spcBef>
-              <a:spcAft>
-                <a:spcPts val="0"/>
-              </a:spcAft>
-              <a:buNone/>
-            </a:pPr>
-            <a:r>
-              <a:rPr lang="en"/>
-              <a:t>//TODO diagram of python server </a:t>
-            </a:r>
-            <a:r>
-              <a:rPr lang="en"/>
-              <a:t>architecture(, etc)</a:t>
             </a:r>
             <a:endParaRPr/>
           </a:p>
@@ -11361,8 +11365,7 @@
               <a:buNone/>
             </a:pPr>
             <a:r>
-              <a:rPr lang="en"/>
-              <a:t>// Find an f mapping from image to action</a:t>
+              <a:t/>
             </a:r>
             <a:endParaRPr/>
           </a:p>
@@ -11667,7 +11670,7 @@
             <a:endParaRPr/>
           </a:p>
           <a:p>
-            <a:pPr indent="0" lvl="0" marL="457200" rtl="0" algn="l">
+            <a:pPr indent="0" lvl="0" marL="0" rtl="0" algn="l">
               <a:spcBef>
                 <a:spcPts val="1600"/>
               </a:spcBef>
@@ -11677,8 +11680,7 @@
               <a:buNone/>
             </a:pPr>
             <a:r>
-              <a:rPr lang="en"/>
-              <a:t>// Flowchart-esque Image -&gt; Features -&gt; Table lookup</a:t>
+              <a:t/>
             </a:r>
             <a:endParaRPr/>
           </a:p>
